--- a/Mines3D.pptx
+++ b/Mines3D.pptx
@@ -146,7 +146,7 @@
       </p14:sectionLst>
     </p:ext>
     <p:ext uri="{EFAFB233-063F-42B5-8137-9DF3F51BA10A}">
-      <p15:sldGuideLst xmlns="" xmlns:p15="http://schemas.microsoft.com/office/powerpoint/2012/main">
+      <p15:sldGuideLst xmlns:p15="http://schemas.microsoft.com/office/powerpoint/2012/main" xmlns="">
         <p15:guide id="1" orient="horz" pos="2160">
           <p15:clr>
             <a:srgbClr val="A4A3A4"/>
@@ -249,7 +249,7 @@
           <a:p>
             <a:fld id="{DC4A150B-3CB0-494A-AF95-96EA7A8E44F5}" type="datetimeFigureOut">
               <a:rPr lang="de-DE" smtClean="0"/>
-              <a:t>16.12.2017</a:t>
+              <a:t>17.12.2017</a:t>
             </a:fld>
             <a:endParaRPr lang="de-DE"/>
           </a:p>
@@ -561,41 +561,9 @@
           <a:lstStyle/>
           <a:p>
             <a:r>
-              <a:rPr lang="de-DE" dirty="0"/>
-              <a:t>Diese zeigt nach dem Öffnen einen Auswahlbildschirm an, in dem man die Möglichkeit hat, zwischen der Auswahl der Spielmodi, den Einstellungen und dem Beenden des Programmes. </a:t>
+              <a:rPr lang="de-DE" dirty="0" smtClean="0"/>
+              <a:t>CEDRIC</a:t>
             </a:r>
-          </a:p>
-          <a:p>
-            <a:r>
-              <a:rPr lang="de-DE" dirty="0"/>
-              <a:t>In den Einstellungen lässt sich der Sound regeln und die Mitwirkenden an dem Programm werden dort aufgelistet.</a:t>
-            </a:r>
-          </a:p>
-          <a:p>
-            <a:r>
-              <a:rPr lang="de-DE" dirty="0"/>
-              <a:t>Es gibt zwei Spielmodi. Der erste ist ein Modus, in dem es um das einfache Lösen eines Minenfeldes geht. In dem zweiten Modus, dem Abenteuer Modus, muss der Benutzer bestimmte Level anhand einer Story lösen. </a:t>
-            </a:r>
-          </a:p>
-          <a:p>
-            <a:endParaRPr lang="de-DE" dirty="0"/>
-          </a:p>
-          <a:p>
-            <a:r>
-              <a:rPr lang="de-DE" dirty="0"/>
-              <a:t>Das Minenfeld besteht aus einer bestimmten Anzahl an Platten, welche eine bestimmte Anzahl von Minen bedecken. Der Benutzer, welcher sich mithilfe eines dreidimensionalen Charakters auf dem Feld bewegt, muss versuchen Bombenfreie Felder aufzudecken und anhand der ihm gebotenen Zahlen unter den Feldern Minen zu finden und zu markieren. Die Zahlen, welche sich offenbaren können von 0 bis 8 reichen und zeigen die Anzahl der Minen auf den benachbarten Feldern an. </a:t>
-            </a:r>
-          </a:p>
-          <a:p>
-            <a:r>
-              <a:rPr lang="de-DE" dirty="0"/>
-              <a:t>Falls ein Feld einen 0 anzeigt, werden die 8 umstehenden Felder aufgedeckt. </a:t>
-            </a:r>
-          </a:p>
-          <a:p>
-            <a:endParaRPr lang="de-DE" dirty="0"/>
-          </a:p>
-          <a:p>
             <a:endParaRPr lang="de-DE" dirty="0"/>
           </a:p>
         </p:txBody>
@@ -617,7 +585,7 @@
           <a:p>
             <a:fld id="{68780C4A-1504-4E07-93DB-239F4B584920}" type="slidenum">
               <a:rPr lang="de-DE" smtClean="0"/>
-              <a:t>5</a:t>
+              <a:t>2</a:t>
             </a:fld>
             <a:endParaRPr lang="de-DE"/>
           </a:p>
@@ -626,7 +594,324 @@
     </p:spTree>
     <p:extLst>
       <p:ext uri="{BB962C8B-B14F-4D97-AF65-F5344CB8AC3E}">
-        <p14:creationId xmlns:p14="http://schemas.microsoft.com/office/powerpoint/2010/main" val="1936166989"/>
+        <p14:creationId xmlns:p14="http://schemas.microsoft.com/office/powerpoint/2010/main" val="3143457710"/>
+      </p:ext>
+    </p:extLst>
+  </p:cSld>
+  <p:clrMapOvr>
+    <a:masterClrMapping/>
+  </p:clrMapOvr>
+</p:notes>
+</file>
+
+<file path=ppt/notesSlides/notesSlide10.xml><?xml version="1.0" encoding="utf-8"?>
+<p:notes xmlns:a="http://schemas.openxmlformats.org/drawingml/2006/main" xmlns:r="http://schemas.openxmlformats.org/officeDocument/2006/relationships" xmlns:p="http://schemas.openxmlformats.org/presentationml/2006/main">
+  <p:cSld>
+    <p:spTree>
+      <p:nvGrpSpPr>
+        <p:cNvPr id="1" name=""/>
+        <p:cNvGrpSpPr/>
+        <p:nvPr/>
+      </p:nvGrpSpPr>
+      <p:grpSpPr>
+        <a:xfrm>
+          <a:off x="0" y="0"/>
+          <a:ext cx="0" cy="0"/>
+          <a:chOff x="0" y="0"/>
+          <a:chExt cx="0" cy="0"/>
+        </a:xfrm>
+      </p:grpSpPr>
+      <p:sp>
+        <p:nvSpPr>
+          <p:cNvPr id="2" name="Folienbildplatzhalter 1"/>
+          <p:cNvSpPr>
+            <a:spLocks noGrp="1" noRot="1" noChangeAspect="1"/>
+          </p:cNvSpPr>
+          <p:nvPr>
+            <p:ph type="sldImg"/>
+          </p:nvPr>
+        </p:nvSpPr>
+        <p:spPr/>
+      </p:sp>
+      <p:sp>
+        <p:nvSpPr>
+          <p:cNvPr id="3" name="Notizenplatzhalter 2"/>
+          <p:cNvSpPr>
+            <a:spLocks noGrp="1"/>
+          </p:cNvSpPr>
+          <p:nvPr>
+            <p:ph type="body" idx="1"/>
+          </p:nvPr>
+        </p:nvSpPr>
+        <p:spPr/>
+        <p:txBody>
+          <a:bodyPr/>
+          <a:lstStyle/>
+          <a:p>
+            <a:pPr marL="0" marR="0" indent="0" algn="l" defTabSz="914400" rtl="0" eaLnBrk="1" fontAlgn="auto" latinLnBrk="0" hangingPunct="1">
+              <a:lnSpc>
+                <a:spcPct val="100000"/>
+              </a:lnSpc>
+              <a:spcBef>
+                <a:spcPts val="0"/>
+              </a:spcBef>
+              <a:spcAft>
+                <a:spcPts val="0"/>
+              </a:spcAft>
+              <a:buClrTx/>
+              <a:buSzTx/>
+              <a:buFontTx/>
+              <a:buNone/>
+              <a:tabLst/>
+              <a:defRPr/>
+            </a:pPr>
+            <a:r>
+              <a:rPr lang="de-DE" dirty="0" smtClean="0"/>
+              <a:t>CEDRIC</a:t>
+            </a:r>
+          </a:p>
+          <a:p>
+            <a:endParaRPr lang="de-DE" dirty="0" smtClean="0"/>
+          </a:p>
+          <a:p>
+            <a:endParaRPr lang="de-DE" dirty="0"/>
+          </a:p>
+        </p:txBody>
+      </p:sp>
+      <p:sp>
+        <p:nvSpPr>
+          <p:cNvPr id="4" name="Foliennummernplatzhalter 3"/>
+          <p:cNvSpPr>
+            <a:spLocks noGrp="1"/>
+          </p:cNvSpPr>
+          <p:nvPr>
+            <p:ph type="sldNum" sz="quarter" idx="10"/>
+          </p:nvPr>
+        </p:nvSpPr>
+        <p:spPr/>
+        <p:txBody>
+          <a:bodyPr/>
+          <a:lstStyle/>
+          <a:p>
+            <a:fld id="{68780C4A-1504-4E07-93DB-239F4B584920}" type="slidenum">
+              <a:rPr lang="de-DE" smtClean="0"/>
+              <a:t>11</a:t>
+            </a:fld>
+            <a:endParaRPr lang="de-DE"/>
+          </a:p>
+        </p:txBody>
+      </p:sp>
+    </p:spTree>
+    <p:extLst>
+      <p:ext uri="{BB962C8B-B14F-4D97-AF65-F5344CB8AC3E}">
+        <p14:creationId xmlns:p14="http://schemas.microsoft.com/office/powerpoint/2010/main" val="2850883874"/>
+      </p:ext>
+    </p:extLst>
+  </p:cSld>
+  <p:clrMapOvr>
+    <a:masterClrMapping/>
+  </p:clrMapOvr>
+</p:notes>
+</file>
+
+<file path=ppt/notesSlides/notesSlide11.xml><?xml version="1.0" encoding="utf-8"?>
+<p:notes xmlns:a="http://schemas.openxmlformats.org/drawingml/2006/main" xmlns:r="http://schemas.openxmlformats.org/officeDocument/2006/relationships" xmlns:p="http://schemas.openxmlformats.org/presentationml/2006/main">
+  <p:cSld>
+    <p:spTree>
+      <p:nvGrpSpPr>
+        <p:cNvPr id="1" name=""/>
+        <p:cNvGrpSpPr/>
+        <p:nvPr/>
+      </p:nvGrpSpPr>
+      <p:grpSpPr>
+        <a:xfrm>
+          <a:off x="0" y="0"/>
+          <a:ext cx="0" cy="0"/>
+          <a:chOff x="0" y="0"/>
+          <a:chExt cx="0" cy="0"/>
+        </a:xfrm>
+      </p:grpSpPr>
+      <p:sp>
+        <p:nvSpPr>
+          <p:cNvPr id="2" name="Folienbildplatzhalter 1"/>
+          <p:cNvSpPr>
+            <a:spLocks noGrp="1" noRot="1" noChangeAspect="1"/>
+          </p:cNvSpPr>
+          <p:nvPr>
+            <p:ph type="sldImg"/>
+          </p:nvPr>
+        </p:nvSpPr>
+        <p:spPr/>
+      </p:sp>
+      <p:sp>
+        <p:nvSpPr>
+          <p:cNvPr id="3" name="Notizenplatzhalter 2"/>
+          <p:cNvSpPr>
+            <a:spLocks noGrp="1"/>
+          </p:cNvSpPr>
+          <p:nvPr>
+            <p:ph type="body" idx="1"/>
+          </p:nvPr>
+        </p:nvSpPr>
+        <p:spPr/>
+        <p:txBody>
+          <a:bodyPr/>
+          <a:lstStyle/>
+          <a:p>
+            <a:pPr marL="0" marR="0" indent="0" algn="l" defTabSz="914400" rtl="0" eaLnBrk="1" fontAlgn="auto" latinLnBrk="0" hangingPunct="1">
+              <a:lnSpc>
+                <a:spcPct val="100000"/>
+              </a:lnSpc>
+              <a:spcBef>
+                <a:spcPts val="0"/>
+              </a:spcBef>
+              <a:spcAft>
+                <a:spcPts val="0"/>
+              </a:spcAft>
+              <a:buClrTx/>
+              <a:buSzTx/>
+              <a:buFontTx/>
+              <a:buNone/>
+              <a:tabLst/>
+              <a:defRPr/>
+            </a:pPr>
+            <a:r>
+              <a:rPr lang="de-DE" dirty="0" smtClean="0"/>
+              <a:t>CEDRIC</a:t>
+            </a:r>
+          </a:p>
+          <a:p>
+            <a:endParaRPr lang="de-DE" dirty="0" smtClean="0"/>
+          </a:p>
+          <a:p>
+            <a:endParaRPr lang="de-DE" dirty="0"/>
+          </a:p>
+        </p:txBody>
+      </p:sp>
+      <p:sp>
+        <p:nvSpPr>
+          <p:cNvPr id="4" name="Foliennummernplatzhalter 3"/>
+          <p:cNvSpPr>
+            <a:spLocks noGrp="1"/>
+          </p:cNvSpPr>
+          <p:nvPr>
+            <p:ph type="sldNum" sz="quarter" idx="10"/>
+          </p:nvPr>
+        </p:nvSpPr>
+        <p:spPr/>
+        <p:txBody>
+          <a:bodyPr/>
+          <a:lstStyle/>
+          <a:p>
+            <a:fld id="{68780C4A-1504-4E07-93DB-239F4B584920}" type="slidenum">
+              <a:rPr lang="de-DE" smtClean="0"/>
+              <a:t>12</a:t>
+            </a:fld>
+            <a:endParaRPr lang="de-DE"/>
+          </a:p>
+        </p:txBody>
+      </p:sp>
+    </p:spTree>
+    <p:extLst>
+      <p:ext uri="{BB962C8B-B14F-4D97-AF65-F5344CB8AC3E}">
+        <p14:creationId xmlns:p14="http://schemas.microsoft.com/office/powerpoint/2010/main" val="1895840893"/>
+      </p:ext>
+    </p:extLst>
+  </p:cSld>
+  <p:clrMapOvr>
+    <a:masterClrMapping/>
+  </p:clrMapOvr>
+</p:notes>
+</file>
+
+<file path=ppt/notesSlides/notesSlide12.xml><?xml version="1.0" encoding="utf-8"?>
+<p:notes xmlns:a="http://schemas.openxmlformats.org/drawingml/2006/main" xmlns:r="http://schemas.openxmlformats.org/officeDocument/2006/relationships" xmlns:p="http://schemas.openxmlformats.org/presentationml/2006/main">
+  <p:cSld>
+    <p:spTree>
+      <p:nvGrpSpPr>
+        <p:cNvPr id="1" name=""/>
+        <p:cNvGrpSpPr/>
+        <p:nvPr/>
+      </p:nvGrpSpPr>
+      <p:grpSpPr>
+        <a:xfrm>
+          <a:off x="0" y="0"/>
+          <a:ext cx="0" cy="0"/>
+          <a:chOff x="0" y="0"/>
+          <a:chExt cx="0" cy="0"/>
+        </a:xfrm>
+      </p:grpSpPr>
+      <p:sp>
+        <p:nvSpPr>
+          <p:cNvPr id="2" name="Folienbildplatzhalter 1"/>
+          <p:cNvSpPr>
+            <a:spLocks noGrp="1" noRot="1" noChangeAspect="1"/>
+          </p:cNvSpPr>
+          <p:nvPr>
+            <p:ph type="sldImg"/>
+          </p:nvPr>
+        </p:nvSpPr>
+        <p:spPr/>
+      </p:sp>
+      <p:sp>
+        <p:nvSpPr>
+          <p:cNvPr id="3" name="Notizenplatzhalter 2"/>
+          <p:cNvSpPr>
+            <a:spLocks noGrp="1"/>
+          </p:cNvSpPr>
+          <p:nvPr>
+            <p:ph type="body" idx="1"/>
+          </p:nvPr>
+        </p:nvSpPr>
+        <p:spPr/>
+        <p:txBody>
+          <a:bodyPr/>
+          <a:lstStyle/>
+          <a:p>
+            <a:r>
+              <a:rPr lang="de-DE" smtClean="0"/>
+              <a:t>JAN</a:t>
+            </a:r>
+          </a:p>
+          <a:p>
+            <a:endParaRPr lang="de-DE" dirty="0" smtClean="0"/>
+          </a:p>
+          <a:p>
+            <a:r>
+              <a:rPr lang="de-DE" dirty="0" smtClean="0"/>
+              <a:t>DANACH SPIEL VORSTELLEN</a:t>
+            </a:r>
+            <a:endParaRPr lang="de-DE" dirty="0"/>
+          </a:p>
+        </p:txBody>
+      </p:sp>
+      <p:sp>
+        <p:nvSpPr>
+          <p:cNvPr id="4" name="Foliennummernplatzhalter 3"/>
+          <p:cNvSpPr>
+            <a:spLocks noGrp="1"/>
+          </p:cNvSpPr>
+          <p:nvPr>
+            <p:ph type="sldNum" sz="quarter" idx="10"/>
+          </p:nvPr>
+        </p:nvSpPr>
+        <p:spPr/>
+        <p:txBody>
+          <a:bodyPr/>
+          <a:lstStyle/>
+          <a:p>
+            <a:fld id="{68780C4A-1504-4E07-93DB-239F4B584920}" type="slidenum">
+              <a:rPr lang="de-DE" smtClean="0"/>
+              <a:t>13</a:t>
+            </a:fld>
+            <a:endParaRPr lang="de-DE"/>
+          </a:p>
+        </p:txBody>
+      </p:sp>
+    </p:spTree>
+    <p:extLst>
+      <p:ext uri="{BB962C8B-B14F-4D97-AF65-F5344CB8AC3E}">
+        <p14:creationId xmlns:p14="http://schemas.microsoft.com/office/powerpoint/2010/main" val="2203184841"/>
       </p:ext>
     </p:extLst>
   </p:cSld>
@@ -680,36 +965,26 @@
           <a:bodyPr/>
           <a:lstStyle/>
           <a:p>
+            <a:pPr marL="0" marR="0" indent="0" algn="l" defTabSz="914400" rtl="0" eaLnBrk="1" fontAlgn="auto" latinLnBrk="0" hangingPunct="1">
+              <a:lnSpc>
+                <a:spcPct val="100000"/>
+              </a:lnSpc>
+              <a:spcBef>
+                <a:spcPts val="0"/>
+              </a:spcBef>
+              <a:spcAft>
+                <a:spcPts val="0"/>
+              </a:spcAft>
+              <a:buClrTx/>
+              <a:buSzTx/>
+              <a:buFontTx/>
+              <a:buNone/>
+              <a:tabLst/>
+              <a:defRPr/>
+            </a:pPr>
             <a:r>
-              <a:rPr lang="de-DE" dirty="0"/>
-              <a:t>Diese zeigt nach dem Öffnen einen Auswahlbildschirm an, in dem man die Möglichkeit hat, zwischen der Auswahl der Spielmodi, den Einstellungen und dem Beenden des Programmes. </a:t>
-            </a:r>
-          </a:p>
-          <a:p>
-            <a:r>
-              <a:rPr lang="de-DE" dirty="0"/>
-              <a:t>In den Einstellungen lässt sich der Sound regeln und die Mitwirkenden an dem Programm werden dort aufgelistet.</a:t>
-            </a:r>
-          </a:p>
-          <a:p>
-            <a:r>
-              <a:rPr lang="de-DE" dirty="0"/>
-              <a:t>Es gibt zwei Spielmodi. Der erste ist ein Modus, in dem es um das einfache Lösen eines Minenfeldes geht. In dem zweiten Modus, dem Abenteuer Modus, muss der Benutzer bestimmte Level anhand einer Story lösen. </a:t>
-            </a:r>
-          </a:p>
-          <a:p>
-            <a:endParaRPr lang="de-DE" dirty="0"/>
-          </a:p>
-          <a:p>
-            <a:r>
-              <a:rPr lang="de-DE" dirty="0"/>
-              <a:t>Das Minenfeld besteht aus einer bestimmten Anzahl an Platten, welche eine bestimmte Anzahl von Minen bedecken. Der Benutzer, welcher sich mithilfe eines dreidimensionalen Charakters auf dem Feld bewegt, muss versuchen Bombenfreie Felder aufzudecken und anhand der ihm gebotenen Zahlen unter den Feldern Minen zu finden und zu markieren. Die Zahlen, welche sich offenbaren können von 0 bis 8 reichen und zeigen die Anzahl der Minen auf den benachbarten Feldern an. </a:t>
-            </a:r>
-          </a:p>
-          <a:p>
-            <a:r>
-              <a:rPr lang="de-DE" dirty="0"/>
-              <a:t>Falls ein Feld einen 0 anzeigt, werden die 8 umstehenden Felder aufgedeckt. </a:t>
+              <a:rPr lang="de-DE" dirty="0" smtClean="0"/>
+              <a:t>CEDRIC</a:t>
             </a:r>
           </a:p>
           <a:p>
@@ -734,7 +1009,7 @@
           <a:p>
             <a:fld id="{68780C4A-1504-4E07-93DB-239F4B584920}" type="slidenum">
               <a:rPr lang="de-DE" smtClean="0"/>
-              <a:t>6</a:t>
+              <a:t>3</a:t>
             </a:fld>
             <a:endParaRPr lang="de-DE"/>
           </a:p>
@@ -743,7 +1018,7 @@
     </p:spTree>
     <p:extLst>
       <p:ext uri="{BB962C8B-B14F-4D97-AF65-F5344CB8AC3E}">
-        <p14:creationId xmlns:p14="http://schemas.microsoft.com/office/powerpoint/2010/main" val="1042497554"/>
+        <p14:creationId xmlns:p14="http://schemas.microsoft.com/office/powerpoint/2010/main" val="2547218951"/>
       </p:ext>
     </p:extLst>
   </p:cSld>
@@ -797,10 +1072,30 @@
           <a:bodyPr/>
           <a:lstStyle/>
           <a:p>
+            <a:pPr marL="0" marR="0" indent="0" algn="l" defTabSz="914400" rtl="0" eaLnBrk="1" fontAlgn="auto" latinLnBrk="0" hangingPunct="1">
+              <a:lnSpc>
+                <a:spcPct val="100000"/>
+              </a:lnSpc>
+              <a:spcBef>
+                <a:spcPts val="0"/>
+              </a:spcBef>
+              <a:spcAft>
+                <a:spcPts val="0"/>
+              </a:spcAft>
+              <a:buClrTx/>
+              <a:buSzTx/>
+              <a:buFontTx/>
+              <a:buNone/>
+              <a:tabLst/>
+              <a:defRPr/>
+            </a:pPr>
             <a:r>
-              <a:rPr lang="de-DE" dirty="0"/>
-              <a:t>MORPHEN EINFÜGEN --- POWERPOINT 2016</a:t>
+              <a:rPr lang="de-DE" dirty="0" smtClean="0"/>
+              <a:t>CEDRIC</a:t>
             </a:r>
+          </a:p>
+          <a:p>
+            <a:endParaRPr lang="de-DE" dirty="0"/>
           </a:p>
         </p:txBody>
       </p:sp>
@@ -821,7 +1116,7 @@
           <a:p>
             <a:fld id="{68780C4A-1504-4E07-93DB-239F4B584920}" type="slidenum">
               <a:rPr lang="de-DE" smtClean="0"/>
-              <a:t>9</a:t>
+              <a:t>4</a:t>
             </a:fld>
             <a:endParaRPr lang="de-DE"/>
           </a:p>
@@ -830,7 +1125,7 @@
     </p:spTree>
     <p:extLst>
       <p:ext uri="{BB962C8B-B14F-4D97-AF65-F5344CB8AC3E}">
-        <p14:creationId xmlns:p14="http://schemas.microsoft.com/office/powerpoint/2010/main" val="2751192615"/>
+        <p14:creationId xmlns:p14="http://schemas.microsoft.com/office/powerpoint/2010/main" val="510850257"/>
       </p:ext>
     </p:extLst>
   </p:cSld>
@@ -885,9 +1180,526 @@
           <a:lstStyle/>
           <a:p>
             <a:r>
-              <a:rPr lang="de-DE" dirty="0"/>
-              <a:t>MORPHEN EINFÜGEN --- POWERPOINT 2016</a:t>
+              <a:rPr lang="de-DE" dirty="0" smtClean="0"/>
+              <a:t>JAN</a:t>
             </a:r>
+            <a:endParaRPr lang="de-DE" dirty="0"/>
+          </a:p>
+        </p:txBody>
+      </p:sp>
+      <p:sp>
+        <p:nvSpPr>
+          <p:cNvPr id="4" name="Foliennummernplatzhalter 3"/>
+          <p:cNvSpPr>
+            <a:spLocks noGrp="1"/>
+          </p:cNvSpPr>
+          <p:nvPr>
+            <p:ph type="sldNum" sz="quarter" idx="10"/>
+          </p:nvPr>
+        </p:nvSpPr>
+        <p:spPr/>
+        <p:txBody>
+          <a:bodyPr/>
+          <a:lstStyle/>
+          <a:p>
+            <a:fld id="{68780C4A-1504-4E07-93DB-239F4B584920}" type="slidenum">
+              <a:rPr lang="de-DE" smtClean="0"/>
+              <a:t>5</a:t>
+            </a:fld>
+            <a:endParaRPr lang="de-DE"/>
+          </a:p>
+        </p:txBody>
+      </p:sp>
+    </p:spTree>
+    <p:extLst>
+      <p:ext uri="{BB962C8B-B14F-4D97-AF65-F5344CB8AC3E}">
+        <p14:creationId xmlns:p14="http://schemas.microsoft.com/office/powerpoint/2010/main" val="1936166989"/>
+      </p:ext>
+    </p:extLst>
+  </p:cSld>
+  <p:clrMapOvr>
+    <a:masterClrMapping/>
+  </p:clrMapOvr>
+</p:notes>
+</file>
+
+<file path=ppt/notesSlides/notesSlide5.xml><?xml version="1.0" encoding="utf-8"?>
+<p:notes xmlns:a="http://schemas.openxmlformats.org/drawingml/2006/main" xmlns:r="http://schemas.openxmlformats.org/officeDocument/2006/relationships" xmlns:p="http://schemas.openxmlformats.org/presentationml/2006/main">
+  <p:cSld>
+    <p:spTree>
+      <p:nvGrpSpPr>
+        <p:cNvPr id="1" name=""/>
+        <p:cNvGrpSpPr/>
+        <p:nvPr/>
+      </p:nvGrpSpPr>
+      <p:grpSpPr>
+        <a:xfrm>
+          <a:off x="0" y="0"/>
+          <a:ext cx="0" cy="0"/>
+          <a:chOff x="0" y="0"/>
+          <a:chExt cx="0" cy="0"/>
+        </a:xfrm>
+      </p:grpSpPr>
+      <p:sp>
+        <p:nvSpPr>
+          <p:cNvPr id="2" name="Folienbildplatzhalter 1"/>
+          <p:cNvSpPr>
+            <a:spLocks noGrp="1" noRot="1" noChangeAspect="1"/>
+          </p:cNvSpPr>
+          <p:nvPr>
+            <p:ph type="sldImg"/>
+          </p:nvPr>
+        </p:nvSpPr>
+        <p:spPr/>
+      </p:sp>
+      <p:sp>
+        <p:nvSpPr>
+          <p:cNvPr id="3" name="Notizenplatzhalter 2"/>
+          <p:cNvSpPr>
+            <a:spLocks noGrp="1"/>
+          </p:cNvSpPr>
+          <p:nvPr>
+            <p:ph type="body" idx="1"/>
+          </p:nvPr>
+        </p:nvSpPr>
+        <p:spPr/>
+        <p:txBody>
+          <a:bodyPr/>
+          <a:lstStyle/>
+          <a:p>
+            <a:r>
+              <a:rPr lang="de-DE" dirty="0" smtClean="0"/>
+              <a:t>JAN</a:t>
+            </a:r>
+            <a:endParaRPr lang="de-DE" dirty="0"/>
+          </a:p>
+        </p:txBody>
+      </p:sp>
+      <p:sp>
+        <p:nvSpPr>
+          <p:cNvPr id="4" name="Foliennummernplatzhalter 3"/>
+          <p:cNvSpPr>
+            <a:spLocks noGrp="1"/>
+          </p:cNvSpPr>
+          <p:nvPr>
+            <p:ph type="sldNum" sz="quarter" idx="10"/>
+          </p:nvPr>
+        </p:nvSpPr>
+        <p:spPr/>
+        <p:txBody>
+          <a:bodyPr/>
+          <a:lstStyle/>
+          <a:p>
+            <a:fld id="{68780C4A-1504-4E07-93DB-239F4B584920}" type="slidenum">
+              <a:rPr lang="de-DE" smtClean="0"/>
+              <a:t>6</a:t>
+            </a:fld>
+            <a:endParaRPr lang="de-DE"/>
+          </a:p>
+        </p:txBody>
+      </p:sp>
+    </p:spTree>
+    <p:extLst>
+      <p:ext uri="{BB962C8B-B14F-4D97-AF65-F5344CB8AC3E}">
+        <p14:creationId xmlns:p14="http://schemas.microsoft.com/office/powerpoint/2010/main" val="1042497554"/>
+      </p:ext>
+    </p:extLst>
+  </p:cSld>
+  <p:clrMapOvr>
+    <a:masterClrMapping/>
+  </p:clrMapOvr>
+</p:notes>
+</file>
+
+<file path=ppt/notesSlides/notesSlide6.xml><?xml version="1.0" encoding="utf-8"?>
+<p:notes xmlns:a="http://schemas.openxmlformats.org/drawingml/2006/main" xmlns:r="http://schemas.openxmlformats.org/officeDocument/2006/relationships" xmlns:p="http://schemas.openxmlformats.org/presentationml/2006/main">
+  <p:cSld>
+    <p:spTree>
+      <p:nvGrpSpPr>
+        <p:cNvPr id="1" name=""/>
+        <p:cNvGrpSpPr/>
+        <p:nvPr/>
+      </p:nvGrpSpPr>
+      <p:grpSpPr>
+        <a:xfrm>
+          <a:off x="0" y="0"/>
+          <a:ext cx="0" cy="0"/>
+          <a:chOff x="0" y="0"/>
+          <a:chExt cx="0" cy="0"/>
+        </a:xfrm>
+      </p:grpSpPr>
+      <p:sp>
+        <p:nvSpPr>
+          <p:cNvPr id="2" name="Folienbildplatzhalter 1"/>
+          <p:cNvSpPr>
+            <a:spLocks noGrp="1" noRot="1" noChangeAspect="1"/>
+          </p:cNvSpPr>
+          <p:nvPr>
+            <p:ph type="sldImg"/>
+          </p:nvPr>
+        </p:nvSpPr>
+        <p:spPr/>
+      </p:sp>
+      <p:sp>
+        <p:nvSpPr>
+          <p:cNvPr id="3" name="Notizenplatzhalter 2"/>
+          <p:cNvSpPr>
+            <a:spLocks noGrp="1"/>
+          </p:cNvSpPr>
+          <p:nvPr>
+            <p:ph type="body" idx="1"/>
+          </p:nvPr>
+        </p:nvSpPr>
+        <p:spPr/>
+        <p:txBody>
+          <a:bodyPr/>
+          <a:lstStyle/>
+          <a:p>
+            <a:pPr marL="0" marR="0" indent="0" algn="l" defTabSz="914400" rtl="0" eaLnBrk="1" fontAlgn="auto" latinLnBrk="0" hangingPunct="1">
+              <a:lnSpc>
+                <a:spcPct val="100000"/>
+              </a:lnSpc>
+              <a:spcBef>
+                <a:spcPts val="0"/>
+              </a:spcBef>
+              <a:spcAft>
+                <a:spcPts val="0"/>
+              </a:spcAft>
+              <a:buClrTx/>
+              <a:buSzTx/>
+              <a:buFontTx/>
+              <a:buNone/>
+              <a:tabLst/>
+              <a:defRPr/>
+            </a:pPr>
+            <a:r>
+              <a:rPr lang="de-DE" dirty="0" smtClean="0"/>
+              <a:t>JAN</a:t>
+            </a:r>
+          </a:p>
+          <a:p>
+            <a:endParaRPr lang="de-DE" dirty="0"/>
+          </a:p>
+        </p:txBody>
+      </p:sp>
+      <p:sp>
+        <p:nvSpPr>
+          <p:cNvPr id="4" name="Foliennummernplatzhalter 3"/>
+          <p:cNvSpPr>
+            <a:spLocks noGrp="1"/>
+          </p:cNvSpPr>
+          <p:nvPr>
+            <p:ph type="sldNum" sz="quarter" idx="10"/>
+          </p:nvPr>
+        </p:nvSpPr>
+        <p:spPr/>
+        <p:txBody>
+          <a:bodyPr/>
+          <a:lstStyle/>
+          <a:p>
+            <a:fld id="{68780C4A-1504-4E07-93DB-239F4B584920}" type="slidenum">
+              <a:rPr lang="de-DE" smtClean="0"/>
+              <a:t>7</a:t>
+            </a:fld>
+            <a:endParaRPr lang="de-DE"/>
+          </a:p>
+        </p:txBody>
+      </p:sp>
+    </p:spTree>
+    <p:extLst>
+      <p:ext uri="{BB962C8B-B14F-4D97-AF65-F5344CB8AC3E}">
+        <p14:creationId xmlns:p14="http://schemas.microsoft.com/office/powerpoint/2010/main" val="2447568632"/>
+      </p:ext>
+    </p:extLst>
+  </p:cSld>
+  <p:clrMapOvr>
+    <a:masterClrMapping/>
+  </p:clrMapOvr>
+</p:notes>
+</file>
+
+<file path=ppt/notesSlides/notesSlide7.xml><?xml version="1.0" encoding="utf-8"?>
+<p:notes xmlns:a="http://schemas.openxmlformats.org/drawingml/2006/main" xmlns:r="http://schemas.openxmlformats.org/officeDocument/2006/relationships" xmlns:p="http://schemas.openxmlformats.org/presentationml/2006/main">
+  <p:cSld>
+    <p:spTree>
+      <p:nvGrpSpPr>
+        <p:cNvPr id="1" name=""/>
+        <p:cNvGrpSpPr/>
+        <p:nvPr/>
+      </p:nvGrpSpPr>
+      <p:grpSpPr>
+        <a:xfrm>
+          <a:off x="0" y="0"/>
+          <a:ext cx="0" cy="0"/>
+          <a:chOff x="0" y="0"/>
+          <a:chExt cx="0" cy="0"/>
+        </a:xfrm>
+      </p:grpSpPr>
+      <p:sp>
+        <p:nvSpPr>
+          <p:cNvPr id="2" name="Folienbildplatzhalter 1"/>
+          <p:cNvSpPr>
+            <a:spLocks noGrp="1" noRot="1" noChangeAspect="1"/>
+          </p:cNvSpPr>
+          <p:nvPr>
+            <p:ph type="sldImg"/>
+          </p:nvPr>
+        </p:nvSpPr>
+        <p:spPr/>
+      </p:sp>
+      <p:sp>
+        <p:nvSpPr>
+          <p:cNvPr id="3" name="Notizenplatzhalter 2"/>
+          <p:cNvSpPr>
+            <a:spLocks noGrp="1"/>
+          </p:cNvSpPr>
+          <p:nvPr>
+            <p:ph type="body" idx="1"/>
+          </p:nvPr>
+        </p:nvSpPr>
+        <p:spPr/>
+        <p:txBody>
+          <a:bodyPr/>
+          <a:lstStyle/>
+          <a:p>
+            <a:pPr marL="0" marR="0" indent="0" algn="l" defTabSz="914400" rtl="0" eaLnBrk="1" fontAlgn="auto" latinLnBrk="0" hangingPunct="1">
+              <a:lnSpc>
+                <a:spcPct val="100000"/>
+              </a:lnSpc>
+              <a:spcBef>
+                <a:spcPts val="0"/>
+              </a:spcBef>
+              <a:spcAft>
+                <a:spcPts val="0"/>
+              </a:spcAft>
+              <a:buClrTx/>
+              <a:buSzTx/>
+              <a:buFontTx/>
+              <a:buNone/>
+              <a:tabLst/>
+              <a:defRPr/>
+            </a:pPr>
+            <a:r>
+              <a:rPr lang="de-DE" dirty="0" smtClean="0"/>
+              <a:t>JAN</a:t>
+            </a:r>
+          </a:p>
+          <a:p>
+            <a:endParaRPr lang="de-DE" dirty="0"/>
+          </a:p>
+        </p:txBody>
+      </p:sp>
+      <p:sp>
+        <p:nvSpPr>
+          <p:cNvPr id="4" name="Foliennummernplatzhalter 3"/>
+          <p:cNvSpPr>
+            <a:spLocks noGrp="1"/>
+          </p:cNvSpPr>
+          <p:nvPr>
+            <p:ph type="sldNum" sz="quarter" idx="10"/>
+          </p:nvPr>
+        </p:nvSpPr>
+        <p:spPr/>
+        <p:txBody>
+          <a:bodyPr/>
+          <a:lstStyle/>
+          <a:p>
+            <a:fld id="{68780C4A-1504-4E07-93DB-239F4B584920}" type="slidenum">
+              <a:rPr lang="de-DE" smtClean="0"/>
+              <a:t>8</a:t>
+            </a:fld>
+            <a:endParaRPr lang="de-DE"/>
+          </a:p>
+        </p:txBody>
+      </p:sp>
+    </p:spTree>
+    <p:extLst>
+      <p:ext uri="{BB962C8B-B14F-4D97-AF65-F5344CB8AC3E}">
+        <p14:creationId xmlns:p14="http://schemas.microsoft.com/office/powerpoint/2010/main" val="3452268699"/>
+      </p:ext>
+    </p:extLst>
+  </p:cSld>
+  <p:clrMapOvr>
+    <a:masterClrMapping/>
+  </p:clrMapOvr>
+</p:notes>
+</file>
+
+<file path=ppt/notesSlides/notesSlide8.xml><?xml version="1.0" encoding="utf-8"?>
+<p:notes xmlns:a="http://schemas.openxmlformats.org/drawingml/2006/main" xmlns:r="http://schemas.openxmlformats.org/officeDocument/2006/relationships" xmlns:p="http://schemas.openxmlformats.org/presentationml/2006/main">
+  <p:cSld>
+    <p:spTree>
+      <p:nvGrpSpPr>
+        <p:cNvPr id="1" name=""/>
+        <p:cNvGrpSpPr/>
+        <p:nvPr/>
+      </p:nvGrpSpPr>
+      <p:grpSpPr>
+        <a:xfrm>
+          <a:off x="0" y="0"/>
+          <a:ext cx="0" cy="0"/>
+          <a:chOff x="0" y="0"/>
+          <a:chExt cx="0" cy="0"/>
+        </a:xfrm>
+      </p:grpSpPr>
+      <p:sp>
+        <p:nvSpPr>
+          <p:cNvPr id="2" name="Folienbildplatzhalter 1"/>
+          <p:cNvSpPr>
+            <a:spLocks noGrp="1" noRot="1" noChangeAspect="1"/>
+          </p:cNvSpPr>
+          <p:nvPr>
+            <p:ph type="sldImg"/>
+          </p:nvPr>
+        </p:nvSpPr>
+        <p:spPr/>
+      </p:sp>
+      <p:sp>
+        <p:nvSpPr>
+          <p:cNvPr id="3" name="Notizenplatzhalter 2"/>
+          <p:cNvSpPr>
+            <a:spLocks noGrp="1"/>
+          </p:cNvSpPr>
+          <p:nvPr>
+            <p:ph type="body" idx="1"/>
+          </p:nvPr>
+        </p:nvSpPr>
+        <p:spPr/>
+        <p:txBody>
+          <a:bodyPr/>
+          <a:lstStyle/>
+          <a:p>
+            <a:pPr marL="0" marR="0" indent="0" algn="l" defTabSz="914400" rtl="0" eaLnBrk="1" fontAlgn="auto" latinLnBrk="0" hangingPunct="1">
+              <a:lnSpc>
+                <a:spcPct val="100000"/>
+              </a:lnSpc>
+              <a:spcBef>
+                <a:spcPts val="0"/>
+              </a:spcBef>
+              <a:spcAft>
+                <a:spcPts val="0"/>
+              </a:spcAft>
+              <a:buClrTx/>
+              <a:buSzTx/>
+              <a:buFontTx/>
+              <a:buNone/>
+              <a:tabLst/>
+              <a:defRPr/>
+            </a:pPr>
+            <a:r>
+              <a:rPr lang="de-DE" dirty="0" smtClean="0"/>
+              <a:t>CEDRIC</a:t>
+            </a:r>
+          </a:p>
+          <a:p>
+            <a:endParaRPr lang="de-DE" dirty="0"/>
+          </a:p>
+        </p:txBody>
+      </p:sp>
+      <p:sp>
+        <p:nvSpPr>
+          <p:cNvPr id="4" name="Foliennummernplatzhalter 3"/>
+          <p:cNvSpPr>
+            <a:spLocks noGrp="1"/>
+          </p:cNvSpPr>
+          <p:nvPr>
+            <p:ph type="sldNum" sz="quarter" idx="10"/>
+          </p:nvPr>
+        </p:nvSpPr>
+        <p:spPr/>
+        <p:txBody>
+          <a:bodyPr/>
+          <a:lstStyle/>
+          <a:p>
+            <a:fld id="{68780C4A-1504-4E07-93DB-239F4B584920}" type="slidenum">
+              <a:rPr lang="de-DE" smtClean="0"/>
+              <a:t>9</a:t>
+            </a:fld>
+            <a:endParaRPr lang="de-DE"/>
+          </a:p>
+        </p:txBody>
+      </p:sp>
+    </p:spTree>
+    <p:extLst>
+      <p:ext uri="{BB962C8B-B14F-4D97-AF65-F5344CB8AC3E}">
+        <p14:creationId xmlns:p14="http://schemas.microsoft.com/office/powerpoint/2010/main" val="2751192615"/>
+      </p:ext>
+    </p:extLst>
+  </p:cSld>
+  <p:clrMapOvr>
+    <a:masterClrMapping/>
+  </p:clrMapOvr>
+</p:notes>
+</file>
+
+<file path=ppt/notesSlides/notesSlide9.xml><?xml version="1.0" encoding="utf-8"?>
+<p:notes xmlns:a="http://schemas.openxmlformats.org/drawingml/2006/main" xmlns:r="http://schemas.openxmlformats.org/officeDocument/2006/relationships" xmlns:p="http://schemas.openxmlformats.org/presentationml/2006/main">
+  <p:cSld>
+    <p:spTree>
+      <p:nvGrpSpPr>
+        <p:cNvPr id="1" name=""/>
+        <p:cNvGrpSpPr/>
+        <p:nvPr/>
+      </p:nvGrpSpPr>
+      <p:grpSpPr>
+        <a:xfrm>
+          <a:off x="0" y="0"/>
+          <a:ext cx="0" cy="0"/>
+          <a:chOff x="0" y="0"/>
+          <a:chExt cx="0" cy="0"/>
+        </a:xfrm>
+      </p:grpSpPr>
+      <p:sp>
+        <p:nvSpPr>
+          <p:cNvPr id="2" name="Folienbildplatzhalter 1"/>
+          <p:cNvSpPr>
+            <a:spLocks noGrp="1" noRot="1" noChangeAspect="1"/>
+          </p:cNvSpPr>
+          <p:nvPr>
+            <p:ph type="sldImg"/>
+          </p:nvPr>
+        </p:nvSpPr>
+        <p:spPr/>
+      </p:sp>
+      <p:sp>
+        <p:nvSpPr>
+          <p:cNvPr id="3" name="Notizenplatzhalter 2"/>
+          <p:cNvSpPr>
+            <a:spLocks noGrp="1"/>
+          </p:cNvSpPr>
+          <p:nvPr>
+            <p:ph type="body" idx="1"/>
+          </p:nvPr>
+        </p:nvSpPr>
+        <p:spPr/>
+        <p:txBody>
+          <a:bodyPr/>
+          <a:lstStyle/>
+          <a:p>
+            <a:pPr marL="0" marR="0" indent="0" algn="l" defTabSz="914400" rtl="0" eaLnBrk="1" fontAlgn="auto" latinLnBrk="0" hangingPunct="1">
+              <a:lnSpc>
+                <a:spcPct val="100000"/>
+              </a:lnSpc>
+              <a:spcBef>
+                <a:spcPts val="0"/>
+              </a:spcBef>
+              <a:spcAft>
+                <a:spcPts val="0"/>
+              </a:spcAft>
+              <a:buClrTx/>
+              <a:buSzTx/>
+              <a:buFontTx/>
+              <a:buNone/>
+              <a:tabLst/>
+              <a:defRPr/>
+            </a:pPr>
+            <a:r>
+              <a:rPr lang="de-DE" dirty="0" smtClean="0"/>
+              <a:t>CEDRIC</a:t>
+            </a:r>
+          </a:p>
+          <a:p>
+            <a:endParaRPr lang="de-DE" dirty="0"/>
           </a:p>
         </p:txBody>
       </p:sp>
@@ -1690,7 +2502,7 @@
             <a:fld id="{87490488-1D2D-45FC-A42D-25F856479C81}" type="datetime1">
               <a:rPr lang="de-DE" smtClean="0"/>
               <a:pPr/>
-              <a:t>16.12.2017</a:t>
+              <a:t>17.12.2017</a:t>
             </a:fld>
             <a:endParaRPr lang="de-DE" dirty="0"/>
           </a:p>
@@ -1895,7 +2707,7 @@
           <a:p>
             <a:fld id="{D3EB3054-B75A-4BD7-8B3E-8DC0F614FAF3}" type="datetimeFigureOut">
               <a:rPr lang="de-DE" smtClean="0"/>
-              <a:t>16.12.2017</a:t>
+              <a:t>17.12.2017</a:t>
             </a:fld>
             <a:endParaRPr lang="de-DE"/>
           </a:p>
@@ -2108,7 +2920,7 @@
           <a:p>
             <a:fld id="{D3EB3054-B75A-4BD7-8B3E-8DC0F614FAF3}" type="datetimeFigureOut">
               <a:rPr lang="de-DE" smtClean="0"/>
-              <a:t>16.12.2017</a:t>
+              <a:t>17.12.2017</a:t>
             </a:fld>
             <a:endParaRPr lang="de-DE"/>
           </a:p>
@@ -2311,7 +3123,7 @@
           <a:p>
             <a:fld id="{D3EB3054-B75A-4BD7-8B3E-8DC0F614FAF3}" type="datetimeFigureOut">
               <a:rPr lang="de-DE" smtClean="0"/>
-              <a:t>16.12.2017</a:t>
+              <a:t>17.12.2017</a:t>
             </a:fld>
             <a:endParaRPr lang="de-DE"/>
           </a:p>
@@ -2749,7 +3561,7 @@
             <a:fld id="{5800029A-92A0-4B83-B83D-3D25E123C16B}" type="datetime1">
               <a:rPr lang="de-DE" smtClean="0"/>
               <a:pPr/>
-              <a:t>16.12.2017</a:t>
+              <a:t>17.12.2017</a:t>
             </a:fld>
             <a:endParaRPr lang="de-DE" dirty="0"/>
           </a:p>
@@ -3060,7 +3872,7 @@
           <a:p>
             <a:fld id="{D3EB3054-B75A-4BD7-8B3E-8DC0F614FAF3}" type="datetimeFigureOut">
               <a:rPr lang="de-DE" smtClean="0"/>
-              <a:t>16.12.2017</a:t>
+              <a:t>17.12.2017</a:t>
             </a:fld>
             <a:endParaRPr lang="de-DE"/>
           </a:p>
@@ -3521,7 +4333,7 @@
           <a:p>
             <a:fld id="{D3EB3054-B75A-4BD7-8B3E-8DC0F614FAF3}" type="datetimeFigureOut">
               <a:rPr lang="de-DE" smtClean="0"/>
-              <a:t>16.12.2017</a:t>
+              <a:t>17.12.2017</a:t>
             </a:fld>
             <a:endParaRPr lang="de-DE"/>
           </a:p>
@@ -3656,7 +4468,7 @@
           <a:p>
             <a:fld id="{D3EB3054-B75A-4BD7-8B3E-8DC0F614FAF3}" type="datetimeFigureOut">
               <a:rPr lang="de-DE" smtClean="0"/>
-              <a:t>16.12.2017</a:t>
+              <a:t>17.12.2017</a:t>
             </a:fld>
             <a:endParaRPr lang="de-DE"/>
           </a:p>
@@ -3767,7 +4579,7 @@
           <a:p>
             <a:fld id="{D3EB3054-B75A-4BD7-8B3E-8DC0F614FAF3}" type="datetimeFigureOut">
               <a:rPr lang="de-DE" smtClean="0"/>
-              <a:t>16.12.2017</a:t>
+              <a:t>17.12.2017</a:t>
             </a:fld>
             <a:endParaRPr lang="de-DE"/>
           </a:p>
@@ -4071,7 +4883,7 @@
           <a:p>
             <a:fld id="{D3EB3054-B75A-4BD7-8B3E-8DC0F614FAF3}" type="datetimeFigureOut">
               <a:rPr lang="de-DE" smtClean="0"/>
-              <a:t>16.12.2017</a:t>
+              <a:t>17.12.2017</a:t>
             </a:fld>
             <a:endParaRPr lang="de-DE"/>
           </a:p>
@@ -4365,7 +5177,7 @@
           <a:p>
             <a:fld id="{D3EB3054-B75A-4BD7-8B3E-8DC0F614FAF3}" type="datetimeFigureOut">
               <a:rPr lang="de-DE" smtClean="0"/>
-              <a:t>16.12.2017</a:t>
+              <a:t>17.12.2017</a:t>
             </a:fld>
             <a:endParaRPr lang="de-DE"/>
           </a:p>
@@ -4986,7 +5798,7 @@
           <a:p>
             <a:fld id="{D3EB3054-B75A-4BD7-8B3E-8DC0F614FAF3}" type="datetimeFigureOut">
               <a:rPr lang="de-DE" smtClean="0"/>
-              <a:t>16.12.2017</a:t>
+              <a:t>17.12.2017</a:t>
             </a:fld>
             <a:endParaRPr lang="de-DE"/>
           </a:p>
@@ -5421,7 +6233,7 @@
   </p:txStyles>
   <p:extLst mod="1">
     <p:ext uri="{27BBF7A9-308A-43DC-89C8-2F10F3537804}">
-      <p15:sldGuideLst xmlns="" xmlns:p15="http://schemas.microsoft.com/office/powerpoint/2012/main">
+      <p15:sldGuideLst xmlns:p15="http://schemas.microsoft.com/office/powerpoint/2012/main" xmlns="">
         <p15:guide id="1" orient="horz" pos="2160" userDrawn="1">
           <p15:clr>
             <a:srgbClr val="F26B43"/>
@@ -5588,14 +6400,14 @@
                 <a:gridCol w="5954851">
                   <a:extLst>
                     <a:ext uri="{9D8B030D-6E8A-4147-A177-3AD203B41FA5}">
-                      <a16:colId xmlns="" xmlns:a16="http://schemas.microsoft.com/office/drawing/2014/main" val="20000"/>
+                      <a16:colId xmlns:a16="http://schemas.microsoft.com/office/drawing/2014/main" xmlns="" val="20000"/>
                     </a:ext>
                   </a:extLst>
                 </a:gridCol>
                 <a:gridCol w="3749352">
                   <a:extLst>
                     <a:ext uri="{9D8B030D-6E8A-4147-A177-3AD203B41FA5}">
-                      <a16:colId xmlns="" xmlns:a16="http://schemas.microsoft.com/office/drawing/2014/main" val="20001"/>
+                      <a16:colId xmlns:a16="http://schemas.microsoft.com/office/drawing/2014/main" xmlns="" val="20001"/>
                     </a:ext>
                   </a:extLst>
                 </a:gridCol>
@@ -5655,7 +6467,7 @@
                 </a:tc>
                 <a:extLst>
                   <a:ext uri="{0D108BD9-81ED-4DB2-BD59-A6C34878D82A}">
-                    <a16:rowId xmlns="" xmlns:a16="http://schemas.microsoft.com/office/drawing/2014/main" val="10000"/>
+                    <a16:rowId xmlns:a16="http://schemas.microsoft.com/office/drawing/2014/main" xmlns="" val="10000"/>
                   </a:ext>
                 </a:extLst>
               </a:tr>
@@ -5702,7 +6514,7 @@
                 </a:tc>
                 <a:extLst>
                   <a:ext uri="{0D108BD9-81ED-4DB2-BD59-A6C34878D82A}">
-                    <a16:rowId xmlns="" xmlns:a16="http://schemas.microsoft.com/office/drawing/2014/main" val="10001"/>
+                    <a16:rowId xmlns:a16="http://schemas.microsoft.com/office/drawing/2014/main" xmlns="" val="10001"/>
                   </a:ext>
                 </a:extLst>
               </a:tr>
@@ -5749,7 +6561,7 @@
                 </a:tc>
                 <a:extLst>
                   <a:ext uri="{0D108BD9-81ED-4DB2-BD59-A6C34878D82A}">
-                    <a16:rowId xmlns="" xmlns:a16="http://schemas.microsoft.com/office/drawing/2014/main" val="10002"/>
+                    <a16:rowId xmlns:a16="http://schemas.microsoft.com/office/drawing/2014/main" xmlns="" val="10002"/>
                   </a:ext>
                 </a:extLst>
               </a:tr>
@@ -5796,7 +6608,7 @@
                 </a:tc>
                 <a:extLst>
                   <a:ext uri="{0D108BD9-81ED-4DB2-BD59-A6C34878D82A}">
-                    <a16:rowId xmlns="" xmlns:a16="http://schemas.microsoft.com/office/drawing/2014/main" val="10003"/>
+                    <a16:rowId xmlns:a16="http://schemas.microsoft.com/office/drawing/2014/main" xmlns="" val="10003"/>
                   </a:ext>
                 </a:extLst>
               </a:tr>
@@ -5843,7 +6655,7 @@
                 </a:tc>
                 <a:extLst>
                   <a:ext uri="{0D108BD9-81ED-4DB2-BD59-A6C34878D82A}">
-                    <a16:rowId xmlns="" xmlns:a16="http://schemas.microsoft.com/office/drawing/2014/main" val="10004"/>
+                    <a16:rowId xmlns:a16="http://schemas.microsoft.com/office/drawing/2014/main" xmlns="" val="10004"/>
                   </a:ext>
                 </a:extLst>
               </a:tr>
@@ -5890,7 +6702,7 @@
                 </a:tc>
                 <a:extLst>
                   <a:ext uri="{0D108BD9-81ED-4DB2-BD59-A6C34878D82A}">
-                    <a16:rowId xmlns="" xmlns:a16="http://schemas.microsoft.com/office/drawing/2014/main" val="10005"/>
+                    <a16:rowId xmlns:a16="http://schemas.microsoft.com/office/drawing/2014/main" xmlns="" val="10005"/>
                   </a:ext>
                 </a:extLst>
               </a:tr>
@@ -5937,7 +6749,7 @@
                 </a:tc>
                 <a:extLst>
                   <a:ext uri="{0D108BD9-81ED-4DB2-BD59-A6C34878D82A}">
-                    <a16:rowId xmlns="" xmlns:a16="http://schemas.microsoft.com/office/drawing/2014/main" val="10006"/>
+                    <a16:rowId xmlns:a16="http://schemas.microsoft.com/office/drawing/2014/main" xmlns="" val="10006"/>
                   </a:ext>
                 </a:extLst>
               </a:tr>
@@ -5984,7 +6796,7 @@
                 </a:tc>
                 <a:extLst>
                   <a:ext uri="{0D108BD9-81ED-4DB2-BD59-A6C34878D82A}">
-                    <a16:rowId xmlns="" xmlns:a16="http://schemas.microsoft.com/office/drawing/2014/main" val="10007"/>
+                    <a16:rowId xmlns:a16="http://schemas.microsoft.com/office/drawing/2014/main" xmlns="" val="10007"/>
                   </a:ext>
                 </a:extLst>
               </a:tr>
@@ -6046,7 +6858,7 @@
                 </a:tc>
                 <a:extLst>
                   <a:ext uri="{0D108BD9-81ED-4DB2-BD59-A6C34878D82A}">
-                    <a16:rowId xmlns="" xmlns:a16="http://schemas.microsoft.com/office/drawing/2014/main" val="10008"/>
+                    <a16:rowId xmlns:a16="http://schemas.microsoft.com/office/drawing/2014/main" xmlns="" val="10008"/>
                   </a:ext>
                 </a:extLst>
               </a:tr>
@@ -6093,7 +6905,7 @@
                 </a:tc>
                 <a:extLst>
                   <a:ext uri="{0D108BD9-81ED-4DB2-BD59-A6C34878D82A}">
-                    <a16:rowId xmlns="" xmlns:a16="http://schemas.microsoft.com/office/drawing/2014/main" val="10009"/>
+                    <a16:rowId xmlns:a16="http://schemas.microsoft.com/office/drawing/2014/main" xmlns="" val="10009"/>
                   </a:ext>
                 </a:extLst>
               </a:tr>
@@ -6164,7 +6976,7 @@
                 </a:tc>
                 <a:extLst>
                   <a:ext uri="{0D108BD9-81ED-4DB2-BD59-A6C34878D82A}">
-                    <a16:rowId xmlns="" xmlns:a16="http://schemas.microsoft.com/office/drawing/2014/main" val="10010"/>
+                    <a16:rowId xmlns:a16="http://schemas.microsoft.com/office/drawing/2014/main" xmlns="" val="10010"/>
                   </a:ext>
                 </a:extLst>
               </a:tr>
@@ -6211,7 +7023,7 @@
                 </a:tc>
                 <a:extLst>
                   <a:ext uri="{0D108BD9-81ED-4DB2-BD59-A6C34878D82A}">
-                    <a16:rowId xmlns="" xmlns:a16="http://schemas.microsoft.com/office/drawing/2014/main" val="10011"/>
+                    <a16:rowId xmlns:a16="http://schemas.microsoft.com/office/drawing/2014/main" xmlns="" val="10011"/>
                   </a:ext>
                 </a:extLst>
               </a:tr>
@@ -6270,7 +7082,7 @@
                 </a:tc>
                 <a:extLst>
                   <a:ext uri="{0D108BD9-81ED-4DB2-BD59-A6C34878D82A}">
-                    <a16:rowId xmlns="" xmlns:a16="http://schemas.microsoft.com/office/drawing/2014/main" val="10012"/>
+                    <a16:rowId xmlns:a16="http://schemas.microsoft.com/office/drawing/2014/main" xmlns="" val="10012"/>
                   </a:ext>
                 </a:extLst>
               </a:tr>
@@ -6329,7 +7141,7 @@
                 </a:tc>
                 <a:extLst>
                   <a:ext uri="{0D108BD9-81ED-4DB2-BD59-A6C34878D82A}">
-                    <a16:rowId xmlns="" xmlns:a16="http://schemas.microsoft.com/office/drawing/2014/main" val="10013"/>
+                    <a16:rowId xmlns:a16="http://schemas.microsoft.com/office/drawing/2014/main" xmlns="" val="10013"/>
                   </a:ext>
                 </a:extLst>
               </a:tr>
@@ -6376,7 +7188,7 @@
                 </a:tc>
                 <a:extLst>
                   <a:ext uri="{0D108BD9-81ED-4DB2-BD59-A6C34878D82A}">
-                    <a16:rowId xmlns="" xmlns:a16="http://schemas.microsoft.com/office/drawing/2014/main" val="10014"/>
+                    <a16:rowId xmlns:a16="http://schemas.microsoft.com/office/drawing/2014/main" xmlns="" val="10014"/>
                   </a:ext>
                 </a:extLst>
               </a:tr>
@@ -6435,7 +7247,7 @@
                 </a:tc>
                 <a:extLst>
                   <a:ext uri="{0D108BD9-81ED-4DB2-BD59-A6C34878D82A}">
-                    <a16:rowId xmlns="" xmlns:a16="http://schemas.microsoft.com/office/drawing/2014/main" val="10015"/>
+                    <a16:rowId xmlns:a16="http://schemas.microsoft.com/office/drawing/2014/main" xmlns="" val="10015"/>
                   </a:ext>
                 </a:extLst>
               </a:tr>
@@ -6482,7 +7294,7 @@
                 </a:tc>
                 <a:extLst>
                   <a:ext uri="{0D108BD9-81ED-4DB2-BD59-A6C34878D82A}">
-                    <a16:rowId xmlns="" xmlns:a16="http://schemas.microsoft.com/office/drawing/2014/main" val="10016"/>
+                    <a16:rowId xmlns:a16="http://schemas.microsoft.com/office/drawing/2014/main" xmlns="" val="10016"/>
                   </a:ext>
                 </a:extLst>
               </a:tr>
@@ -6541,7 +7353,7 @@
                 </a:tc>
                 <a:extLst>
                   <a:ext uri="{0D108BD9-81ED-4DB2-BD59-A6C34878D82A}">
-                    <a16:rowId xmlns="" xmlns:a16="http://schemas.microsoft.com/office/drawing/2014/main" val="10017"/>
+                    <a16:rowId xmlns:a16="http://schemas.microsoft.com/office/drawing/2014/main" xmlns="" val="10017"/>
                   </a:ext>
                 </a:extLst>
               </a:tr>
@@ -6600,7 +7412,7 @@
                 </a:tc>
                 <a:extLst>
                   <a:ext uri="{0D108BD9-81ED-4DB2-BD59-A6C34878D82A}">
-                    <a16:rowId xmlns="" xmlns:a16="http://schemas.microsoft.com/office/drawing/2014/main" val="10018"/>
+                    <a16:rowId xmlns:a16="http://schemas.microsoft.com/office/drawing/2014/main" xmlns="" val="10018"/>
                   </a:ext>
                 </a:extLst>
               </a:tr>
@@ -6659,7 +7471,7 @@
                 </a:tc>
                 <a:extLst>
                   <a:ext uri="{0D108BD9-81ED-4DB2-BD59-A6C34878D82A}">
-                    <a16:rowId xmlns="" xmlns:a16="http://schemas.microsoft.com/office/drawing/2014/main" val="10019"/>
+                    <a16:rowId xmlns:a16="http://schemas.microsoft.com/office/drawing/2014/main" xmlns="" val="10019"/>
                   </a:ext>
                 </a:extLst>
               </a:tr>
@@ -6706,7 +7518,7 @@
                 </a:tc>
                 <a:extLst>
                   <a:ext uri="{0D108BD9-81ED-4DB2-BD59-A6C34878D82A}">
-                    <a16:rowId xmlns="" xmlns:a16="http://schemas.microsoft.com/office/drawing/2014/main" val="10020"/>
+                    <a16:rowId xmlns:a16="http://schemas.microsoft.com/office/drawing/2014/main" xmlns="" val="10020"/>
                   </a:ext>
                 </a:extLst>
               </a:tr>
@@ -6765,7 +7577,7 @@
                 </a:tc>
                 <a:extLst>
                   <a:ext uri="{0D108BD9-81ED-4DB2-BD59-A6C34878D82A}">
-                    <a16:rowId xmlns="" xmlns:a16="http://schemas.microsoft.com/office/drawing/2014/main" val="10021"/>
+                    <a16:rowId xmlns:a16="http://schemas.microsoft.com/office/drawing/2014/main" xmlns="" val="10021"/>
                   </a:ext>
                 </a:extLst>
               </a:tr>
@@ -6812,7 +7624,7 @@
                 </a:tc>
                 <a:extLst>
                   <a:ext uri="{0D108BD9-81ED-4DB2-BD59-A6C34878D82A}">
-                    <a16:rowId xmlns="" xmlns:a16="http://schemas.microsoft.com/office/drawing/2014/main" val="10022"/>
+                    <a16:rowId xmlns:a16="http://schemas.microsoft.com/office/drawing/2014/main" xmlns="" val="10022"/>
                   </a:ext>
                 </a:extLst>
               </a:tr>
@@ -6859,7 +7671,7 @@
                 </a:tc>
                 <a:extLst>
                   <a:ext uri="{0D108BD9-81ED-4DB2-BD59-A6C34878D82A}">
-                    <a16:rowId xmlns="" xmlns:a16="http://schemas.microsoft.com/office/drawing/2014/main" val="10023"/>
+                    <a16:rowId xmlns:a16="http://schemas.microsoft.com/office/drawing/2014/main" xmlns="" val="10023"/>
                   </a:ext>
                 </a:extLst>
               </a:tr>
@@ -6906,7 +7718,7 @@
                 </a:tc>
                 <a:extLst>
                   <a:ext uri="{0D108BD9-81ED-4DB2-BD59-A6C34878D82A}">
-                    <a16:rowId xmlns="" xmlns:a16="http://schemas.microsoft.com/office/drawing/2014/main" val="10024"/>
+                    <a16:rowId xmlns:a16="http://schemas.microsoft.com/office/drawing/2014/main" xmlns="" val="10024"/>
                   </a:ext>
                 </a:extLst>
               </a:tr>
@@ -6965,7 +7777,7 @@
                 </a:tc>
                 <a:extLst>
                   <a:ext uri="{0D108BD9-81ED-4DB2-BD59-A6C34878D82A}">
-                    <a16:rowId xmlns="" xmlns:a16="http://schemas.microsoft.com/office/drawing/2014/main" val="10025"/>
+                    <a16:rowId xmlns:a16="http://schemas.microsoft.com/office/drawing/2014/main" xmlns="" val="10025"/>
                   </a:ext>
                 </a:extLst>
               </a:tr>
@@ -7012,7 +7824,7 @@
                 </a:tc>
                 <a:extLst>
                   <a:ext uri="{0D108BD9-81ED-4DB2-BD59-A6C34878D82A}">
-                    <a16:rowId xmlns="" xmlns:a16="http://schemas.microsoft.com/office/drawing/2014/main" val="10026"/>
+                    <a16:rowId xmlns:a16="http://schemas.microsoft.com/office/drawing/2014/main" xmlns="" val="10026"/>
                   </a:ext>
                 </a:extLst>
               </a:tr>
@@ -7059,7 +7871,7 @@
                 </a:tc>
                 <a:extLst>
                   <a:ext uri="{0D108BD9-81ED-4DB2-BD59-A6C34878D82A}">
-                    <a16:rowId xmlns="" xmlns:a16="http://schemas.microsoft.com/office/drawing/2014/main" val="10027"/>
+                    <a16:rowId xmlns:a16="http://schemas.microsoft.com/office/drawing/2014/main" xmlns="" val="10027"/>
                   </a:ext>
                 </a:extLst>
               </a:tr>
@@ -7106,7 +7918,7 @@
                 </a:tc>
                 <a:extLst>
                   <a:ext uri="{0D108BD9-81ED-4DB2-BD59-A6C34878D82A}">
-                    <a16:rowId xmlns="" xmlns:a16="http://schemas.microsoft.com/office/drawing/2014/main" val="10028"/>
+                    <a16:rowId xmlns:a16="http://schemas.microsoft.com/office/drawing/2014/main" xmlns="" val="10028"/>
                   </a:ext>
                 </a:extLst>
               </a:tr>
@@ -7153,7 +7965,7 @@
                 </a:tc>
                 <a:extLst>
                   <a:ext uri="{0D108BD9-81ED-4DB2-BD59-A6C34878D82A}">
-                    <a16:rowId xmlns="" xmlns:a16="http://schemas.microsoft.com/office/drawing/2014/main" val="10029"/>
+                    <a16:rowId xmlns:a16="http://schemas.microsoft.com/office/drawing/2014/main" xmlns="" val="10029"/>
                   </a:ext>
                 </a:extLst>
               </a:tr>
@@ -7200,7 +8012,7 @@
                 </a:tc>
                 <a:extLst>
                   <a:ext uri="{0D108BD9-81ED-4DB2-BD59-A6C34878D82A}">
-                    <a16:rowId xmlns="" xmlns:a16="http://schemas.microsoft.com/office/drawing/2014/main" val="10030"/>
+                    <a16:rowId xmlns:a16="http://schemas.microsoft.com/office/drawing/2014/main" xmlns="" val="10030"/>
                   </a:ext>
                 </a:extLst>
               </a:tr>
@@ -7254,7 +8066,7 @@
           <p:cNvPr id="2" name="Textfeld 1">
             <a:extLst>
               <a:ext uri="{FF2B5EF4-FFF2-40B4-BE49-F238E27FC236}">
-                <a16:creationId xmlns="" xmlns:a16="http://schemas.microsoft.com/office/drawing/2014/main" id="{2195568F-7564-4181-B467-F06372666B5F}"/>
+                <a16:creationId xmlns:a16="http://schemas.microsoft.com/office/drawing/2014/main" xmlns="" id="{2195568F-7564-4181-B467-F06372666B5F}"/>
               </a:ext>
             </a:extLst>
           </p:cNvPr>
@@ -7872,7 +8684,7 @@
           <p:nvPr/>
         </p:nvPicPr>
         <p:blipFill>
-          <a:blip r:embed="rId2">
+          <a:blip r:embed="rId3">
             <a:extLst>
               <a:ext uri="{28A0092B-C50C-407E-A947-70E740481C1C}">
                 <a14:useLocalDpi xmlns:a14="http://schemas.microsoft.com/office/drawing/2010/main" val="0"/>
@@ -8324,7 +9136,7 @@
           <p:nvPr/>
         </p:nvPicPr>
         <p:blipFill>
-          <a:blip r:embed="rId2">
+          <a:blip r:embed="rId3">
             <a:extLst>
               <a:ext uri="{28A0092B-C50C-407E-A947-70E740481C1C}">
                 <a14:useLocalDpi xmlns:a14="http://schemas.microsoft.com/office/drawing/2010/main" val="0"/>
@@ -8365,7 +9177,7 @@
           <p:nvPr/>
         </p:nvPicPr>
         <p:blipFill>
-          <a:blip r:embed="rId3">
+          <a:blip r:embed="rId4">
             <a:extLst>
               <a:ext uri="{28A0092B-C50C-407E-A947-70E740481C1C}">
                 <a14:useLocalDpi xmlns:a14="http://schemas.microsoft.com/office/drawing/2010/main" val="0"/>
@@ -8406,7 +9218,7 @@
           <p:nvPr/>
         </p:nvPicPr>
         <p:blipFill>
-          <a:blip r:embed="rId4">
+          <a:blip r:embed="rId5">
             <a:extLst>
               <a:ext uri="{28A0092B-C50C-407E-A947-70E740481C1C}">
                 <a14:useLocalDpi xmlns:a14="http://schemas.microsoft.com/office/drawing/2010/main" val="0"/>
@@ -8447,7 +9259,7 @@
           <p:nvPr/>
         </p:nvPicPr>
         <p:blipFill>
-          <a:blip r:embed="rId5">
+          <a:blip r:embed="rId6">
             <a:extLst>
               <a:ext uri="{28A0092B-C50C-407E-A947-70E740481C1C}">
                 <a14:useLocalDpi xmlns:a14="http://schemas.microsoft.com/office/drawing/2010/main" val="0"/>
@@ -8919,7 +9731,7 @@
           <p:nvPr/>
         </p:nvPicPr>
         <p:blipFill>
-          <a:blip r:embed="rId2">
+          <a:blip r:embed="rId3">
             <a:extLst>
               <a:ext uri="{28A0092B-C50C-407E-A947-70E740481C1C}">
                 <a14:useLocalDpi xmlns:a14="http://schemas.microsoft.com/office/drawing/2010/main" val="0"/>
@@ -8989,7 +9801,7 @@
           <p:nvPr/>
         </p:nvPicPr>
         <p:blipFill rotWithShape="1">
-          <a:blip r:embed="rId3">
+          <a:blip r:embed="rId4">
             <a:extLst>
               <a:ext uri="{28A0092B-C50C-407E-A947-70E740481C1C}">
                 <a14:useLocalDpi xmlns:a14="http://schemas.microsoft.com/office/drawing/2010/main" val="0"/>
@@ -9253,7 +10065,7 @@
           <p:nvPr/>
         </p:nvPicPr>
         <p:blipFill>
-          <a:blip r:embed="rId2">
+          <a:blip r:embed="rId3">
             <a:extLst>
               <a:ext uri="{28A0092B-C50C-407E-A947-70E740481C1C}">
                 <a14:useLocalDpi xmlns:a14="http://schemas.microsoft.com/office/drawing/2010/main" val="0"/>
@@ -9322,7 +10134,7 @@
           <p:nvPr/>
         </p:nvPicPr>
         <p:blipFill>
-          <a:blip r:embed="rId3">
+          <a:blip r:embed="rId4">
             <a:extLst>
               <a:ext uri="{28A0092B-C50C-407E-A947-70E740481C1C}">
                 <a14:useLocalDpi xmlns:a14="http://schemas.microsoft.com/office/drawing/2010/main" val="0"/>
@@ -9711,7 +10523,7 @@
           <p:nvPr/>
         </p:nvPicPr>
         <p:blipFill>
-          <a:blip r:embed="rId2">
+          <a:blip r:embed="rId3">
             <a:extLst>
               <a:ext uri="{28A0092B-C50C-407E-A947-70E740481C1C}">
                 <a14:useLocalDpi xmlns:a14="http://schemas.microsoft.com/office/drawing/2010/main" val="0"/>
@@ -9931,7 +10743,7 @@
           <p:nvPr/>
         </p:nvPicPr>
         <p:blipFill>
-          <a:blip r:embed="rId2">
+          <a:blip r:embed="rId3">
             <a:extLst>
               <a:ext uri="{28A0092B-C50C-407E-A947-70E740481C1C}">
                 <a14:useLocalDpi xmlns:a14="http://schemas.microsoft.com/office/drawing/2010/main" val="0"/>
@@ -11726,7 +12538,7 @@
           <p:nvPr/>
         </p:nvPicPr>
         <p:blipFill>
-          <a:blip r:embed="rId2">
+          <a:blip r:embed="rId3">
             <a:extLst>
               <a:ext uri="{28A0092B-C50C-407E-A947-70E740481C1C}">
                 <a14:useLocalDpi xmlns:a14="http://schemas.microsoft.com/office/drawing/2010/main" val="0"/>
@@ -12397,7 +13209,7 @@
           <p:nvPr/>
         </p:nvPicPr>
         <p:blipFill>
-          <a:blip r:embed="rId2">
+          <a:blip r:embed="rId3">
             <a:extLst>
               <a:ext uri="{28A0092B-C50C-407E-A947-70E740481C1C}">
                 <a14:useLocalDpi xmlns:a14="http://schemas.microsoft.com/office/drawing/2010/main" val="0"/>
@@ -12438,7 +13250,7 @@
           <p:nvPr/>
         </p:nvPicPr>
         <p:blipFill>
-          <a:blip r:embed="rId3">
+          <a:blip r:embed="rId4">
             <a:extLst>
               <a:ext uri="{28A0092B-C50C-407E-A947-70E740481C1C}">
                 <a14:useLocalDpi xmlns:a14="http://schemas.microsoft.com/office/drawing/2010/main" val="0"/>
@@ -12492,7 +13304,7 @@
           <p:nvPr/>
         </p:nvPicPr>
         <p:blipFill>
-          <a:blip r:embed="rId4">
+          <a:blip r:embed="rId5">
             <a:extLst>
               <a:ext uri="{28A0092B-C50C-407E-A947-70E740481C1C}">
                 <a14:useLocalDpi xmlns:a14="http://schemas.microsoft.com/office/drawing/2010/main" val="0"/>
@@ -12533,7 +13345,7 @@
           <p:nvPr/>
         </p:nvPicPr>
         <p:blipFill>
-          <a:blip r:embed="rId5" cstate="print">
+          <a:blip r:embed="rId6" cstate="print">
             <a:extLst>
               <a:ext uri="{28A0092B-C50C-407E-A947-70E740481C1C}">
                 <a14:useLocalDpi xmlns:a14="http://schemas.microsoft.com/office/drawing/2010/main" val="0"/>
@@ -13126,14 +13938,14 @@
                 <a:gridCol w="5954851">
                   <a:extLst>
                     <a:ext uri="{9D8B030D-6E8A-4147-A177-3AD203B41FA5}">
-                      <a16:colId xmlns="" xmlns:a16="http://schemas.microsoft.com/office/drawing/2014/main" val="20000"/>
+                      <a16:colId xmlns:a16="http://schemas.microsoft.com/office/drawing/2014/main" xmlns="" val="20000"/>
                     </a:ext>
                   </a:extLst>
                 </a:gridCol>
                 <a:gridCol w="3749352">
                   <a:extLst>
                     <a:ext uri="{9D8B030D-6E8A-4147-A177-3AD203B41FA5}">
-                      <a16:colId xmlns="" xmlns:a16="http://schemas.microsoft.com/office/drawing/2014/main" val="20001"/>
+                      <a16:colId xmlns:a16="http://schemas.microsoft.com/office/drawing/2014/main" xmlns="" val="20001"/>
                     </a:ext>
                   </a:extLst>
                 </a:gridCol>
@@ -13193,7 +14005,7 @@
                 </a:tc>
                 <a:extLst>
                   <a:ext uri="{0D108BD9-81ED-4DB2-BD59-A6C34878D82A}">
-                    <a16:rowId xmlns="" xmlns:a16="http://schemas.microsoft.com/office/drawing/2014/main" val="10000"/>
+                    <a16:rowId xmlns:a16="http://schemas.microsoft.com/office/drawing/2014/main" xmlns="" val="10000"/>
                   </a:ext>
                 </a:extLst>
               </a:tr>
@@ -13264,7 +14076,7 @@
                 </a:tc>
                 <a:extLst>
                   <a:ext uri="{0D108BD9-81ED-4DB2-BD59-A6C34878D82A}">
-                    <a16:rowId xmlns="" xmlns:a16="http://schemas.microsoft.com/office/drawing/2014/main" val="10001"/>
+                    <a16:rowId xmlns:a16="http://schemas.microsoft.com/office/drawing/2014/main" xmlns="" val="10001"/>
                   </a:ext>
                 </a:extLst>
               </a:tr>
@@ -13335,7 +14147,7 @@
                 </a:tc>
                 <a:extLst>
                   <a:ext uri="{0D108BD9-81ED-4DB2-BD59-A6C34878D82A}">
-                    <a16:rowId xmlns="" xmlns:a16="http://schemas.microsoft.com/office/drawing/2014/main" val="10002"/>
+                    <a16:rowId xmlns:a16="http://schemas.microsoft.com/office/drawing/2014/main" xmlns="" val="10002"/>
                   </a:ext>
                 </a:extLst>
               </a:tr>
@@ -13426,7 +14238,7 @@
                 </a:tc>
                 <a:extLst>
                   <a:ext uri="{0D108BD9-81ED-4DB2-BD59-A6C34878D82A}">
-                    <a16:rowId xmlns="" xmlns:a16="http://schemas.microsoft.com/office/drawing/2014/main" val="10003"/>
+                    <a16:rowId xmlns:a16="http://schemas.microsoft.com/office/drawing/2014/main" xmlns="" val="10003"/>
                   </a:ext>
                 </a:extLst>
               </a:tr>
@@ -13485,7 +14297,7 @@
                 </a:tc>
                 <a:extLst>
                   <a:ext uri="{0D108BD9-81ED-4DB2-BD59-A6C34878D82A}">
-                    <a16:rowId xmlns="" xmlns:a16="http://schemas.microsoft.com/office/drawing/2014/main" val="10004"/>
+                    <a16:rowId xmlns:a16="http://schemas.microsoft.com/office/drawing/2014/main" xmlns="" val="10004"/>
                   </a:ext>
                 </a:extLst>
               </a:tr>
@@ -13544,7 +14356,7 @@
                 </a:tc>
                 <a:extLst>
                   <a:ext uri="{0D108BD9-81ED-4DB2-BD59-A6C34878D82A}">
-                    <a16:rowId xmlns="" xmlns:a16="http://schemas.microsoft.com/office/drawing/2014/main" val="10005"/>
+                    <a16:rowId xmlns:a16="http://schemas.microsoft.com/office/drawing/2014/main" xmlns="" val="10005"/>
                   </a:ext>
                 </a:extLst>
               </a:tr>
@@ -13603,7 +14415,7 @@
                 </a:tc>
                 <a:extLst>
                   <a:ext uri="{0D108BD9-81ED-4DB2-BD59-A6C34878D82A}">
-                    <a16:rowId xmlns="" xmlns:a16="http://schemas.microsoft.com/office/drawing/2014/main" val="10006"/>
+                    <a16:rowId xmlns:a16="http://schemas.microsoft.com/office/drawing/2014/main" xmlns="" val="10006"/>
                   </a:ext>
                 </a:extLst>
               </a:tr>
@@ -13662,7 +14474,7 @@
                 </a:tc>
                 <a:extLst>
                   <a:ext uri="{0D108BD9-81ED-4DB2-BD59-A6C34878D82A}">
-                    <a16:rowId xmlns="" xmlns:a16="http://schemas.microsoft.com/office/drawing/2014/main" val="10007"/>
+                    <a16:rowId xmlns:a16="http://schemas.microsoft.com/office/drawing/2014/main" xmlns="" val="10007"/>
                   </a:ext>
                 </a:extLst>
               </a:tr>
@@ -13724,7 +14536,7 @@
                 </a:tc>
                 <a:extLst>
                   <a:ext uri="{0D108BD9-81ED-4DB2-BD59-A6C34878D82A}">
-                    <a16:rowId xmlns="" xmlns:a16="http://schemas.microsoft.com/office/drawing/2014/main" val="10008"/>
+                    <a16:rowId xmlns:a16="http://schemas.microsoft.com/office/drawing/2014/main" xmlns="" val="10008"/>
                   </a:ext>
                 </a:extLst>
               </a:tr>
@@ -13783,7 +14595,7 @@
                 </a:tc>
                 <a:extLst>
                   <a:ext uri="{0D108BD9-81ED-4DB2-BD59-A6C34878D82A}">
-                    <a16:rowId xmlns="" xmlns:a16="http://schemas.microsoft.com/office/drawing/2014/main" val="10009"/>
+                    <a16:rowId xmlns:a16="http://schemas.microsoft.com/office/drawing/2014/main" xmlns="" val="10009"/>
                   </a:ext>
                 </a:extLst>
               </a:tr>
@@ -13854,7 +14666,7 @@
                 </a:tc>
                 <a:extLst>
                   <a:ext uri="{0D108BD9-81ED-4DB2-BD59-A6C34878D82A}">
-                    <a16:rowId xmlns="" xmlns:a16="http://schemas.microsoft.com/office/drawing/2014/main" val="10010"/>
+                    <a16:rowId xmlns:a16="http://schemas.microsoft.com/office/drawing/2014/main" xmlns="" val="10010"/>
                   </a:ext>
                 </a:extLst>
               </a:tr>
@@ -13913,7 +14725,7 @@
                 </a:tc>
                 <a:extLst>
                   <a:ext uri="{0D108BD9-81ED-4DB2-BD59-A6C34878D82A}">
-                    <a16:rowId xmlns="" xmlns:a16="http://schemas.microsoft.com/office/drawing/2014/main" val="10011"/>
+                    <a16:rowId xmlns:a16="http://schemas.microsoft.com/office/drawing/2014/main" xmlns="" val="10011"/>
                   </a:ext>
                 </a:extLst>
               </a:tr>
@@ -13972,7 +14784,7 @@
                 </a:tc>
                 <a:extLst>
                   <a:ext uri="{0D108BD9-81ED-4DB2-BD59-A6C34878D82A}">
-                    <a16:rowId xmlns="" xmlns:a16="http://schemas.microsoft.com/office/drawing/2014/main" val="10012"/>
+                    <a16:rowId xmlns:a16="http://schemas.microsoft.com/office/drawing/2014/main" xmlns="" val="10012"/>
                   </a:ext>
                 </a:extLst>
               </a:tr>
@@ -14031,7 +14843,7 @@
                 </a:tc>
                 <a:extLst>
                   <a:ext uri="{0D108BD9-81ED-4DB2-BD59-A6C34878D82A}">
-                    <a16:rowId xmlns="" xmlns:a16="http://schemas.microsoft.com/office/drawing/2014/main" val="10013"/>
+                    <a16:rowId xmlns:a16="http://schemas.microsoft.com/office/drawing/2014/main" xmlns="" val="10013"/>
                   </a:ext>
                 </a:extLst>
               </a:tr>
@@ -14090,7 +14902,7 @@
                 </a:tc>
                 <a:extLst>
                   <a:ext uri="{0D108BD9-81ED-4DB2-BD59-A6C34878D82A}">
-                    <a16:rowId xmlns="" xmlns:a16="http://schemas.microsoft.com/office/drawing/2014/main" val="10014"/>
+                    <a16:rowId xmlns:a16="http://schemas.microsoft.com/office/drawing/2014/main" xmlns="" val="10014"/>
                   </a:ext>
                 </a:extLst>
               </a:tr>
@@ -14149,7 +14961,7 @@
                 </a:tc>
                 <a:extLst>
                   <a:ext uri="{0D108BD9-81ED-4DB2-BD59-A6C34878D82A}">
-                    <a16:rowId xmlns="" xmlns:a16="http://schemas.microsoft.com/office/drawing/2014/main" val="10015"/>
+                    <a16:rowId xmlns:a16="http://schemas.microsoft.com/office/drawing/2014/main" xmlns="" val="10015"/>
                   </a:ext>
                 </a:extLst>
               </a:tr>
@@ -14208,7 +15020,7 @@
                 </a:tc>
                 <a:extLst>
                   <a:ext uri="{0D108BD9-81ED-4DB2-BD59-A6C34878D82A}">
-                    <a16:rowId xmlns="" xmlns:a16="http://schemas.microsoft.com/office/drawing/2014/main" val="10016"/>
+                    <a16:rowId xmlns:a16="http://schemas.microsoft.com/office/drawing/2014/main" xmlns="" val="10016"/>
                   </a:ext>
                 </a:extLst>
               </a:tr>
@@ -14267,7 +15079,7 @@
                 </a:tc>
                 <a:extLst>
                   <a:ext uri="{0D108BD9-81ED-4DB2-BD59-A6C34878D82A}">
-                    <a16:rowId xmlns="" xmlns:a16="http://schemas.microsoft.com/office/drawing/2014/main" val="10017"/>
+                    <a16:rowId xmlns:a16="http://schemas.microsoft.com/office/drawing/2014/main" xmlns="" val="10017"/>
                   </a:ext>
                 </a:extLst>
               </a:tr>
@@ -14326,7 +15138,7 @@
                 </a:tc>
                 <a:extLst>
                   <a:ext uri="{0D108BD9-81ED-4DB2-BD59-A6C34878D82A}">
-                    <a16:rowId xmlns="" xmlns:a16="http://schemas.microsoft.com/office/drawing/2014/main" val="10018"/>
+                    <a16:rowId xmlns:a16="http://schemas.microsoft.com/office/drawing/2014/main" xmlns="" val="10018"/>
                   </a:ext>
                 </a:extLst>
               </a:tr>
@@ -14385,7 +15197,7 @@
                 </a:tc>
                 <a:extLst>
                   <a:ext uri="{0D108BD9-81ED-4DB2-BD59-A6C34878D82A}">
-                    <a16:rowId xmlns="" xmlns:a16="http://schemas.microsoft.com/office/drawing/2014/main" val="10019"/>
+                    <a16:rowId xmlns:a16="http://schemas.microsoft.com/office/drawing/2014/main" xmlns="" val="10019"/>
                   </a:ext>
                 </a:extLst>
               </a:tr>
@@ -14444,7 +15256,7 @@
                 </a:tc>
                 <a:extLst>
                   <a:ext uri="{0D108BD9-81ED-4DB2-BD59-A6C34878D82A}">
-                    <a16:rowId xmlns="" xmlns:a16="http://schemas.microsoft.com/office/drawing/2014/main" val="10020"/>
+                    <a16:rowId xmlns:a16="http://schemas.microsoft.com/office/drawing/2014/main" xmlns="" val="10020"/>
                   </a:ext>
                 </a:extLst>
               </a:tr>
@@ -14503,7 +15315,7 @@
                 </a:tc>
                 <a:extLst>
                   <a:ext uri="{0D108BD9-81ED-4DB2-BD59-A6C34878D82A}">
-                    <a16:rowId xmlns="" xmlns:a16="http://schemas.microsoft.com/office/drawing/2014/main" val="10021"/>
+                    <a16:rowId xmlns:a16="http://schemas.microsoft.com/office/drawing/2014/main" xmlns="" val="10021"/>
                   </a:ext>
                 </a:extLst>
               </a:tr>
@@ -14559,7 +15371,7 @@
                 </a:tc>
                 <a:extLst>
                   <a:ext uri="{0D108BD9-81ED-4DB2-BD59-A6C34878D82A}">
-                    <a16:rowId xmlns="" xmlns:a16="http://schemas.microsoft.com/office/drawing/2014/main" val="10022"/>
+                    <a16:rowId xmlns:a16="http://schemas.microsoft.com/office/drawing/2014/main" xmlns="" val="10022"/>
                   </a:ext>
                 </a:extLst>
               </a:tr>
@@ -14618,7 +15430,7 @@
                 </a:tc>
                 <a:extLst>
                   <a:ext uri="{0D108BD9-81ED-4DB2-BD59-A6C34878D82A}">
-                    <a16:rowId xmlns="" xmlns:a16="http://schemas.microsoft.com/office/drawing/2014/main" val="10023"/>
+                    <a16:rowId xmlns:a16="http://schemas.microsoft.com/office/drawing/2014/main" xmlns="" val="10023"/>
                   </a:ext>
                 </a:extLst>
               </a:tr>
@@ -14674,7 +15486,7 @@
                 </a:tc>
                 <a:extLst>
                   <a:ext uri="{0D108BD9-81ED-4DB2-BD59-A6C34878D82A}">
-                    <a16:rowId xmlns="" xmlns:a16="http://schemas.microsoft.com/office/drawing/2014/main" val="10024"/>
+                    <a16:rowId xmlns:a16="http://schemas.microsoft.com/office/drawing/2014/main" xmlns="" val="10024"/>
                   </a:ext>
                 </a:extLst>
               </a:tr>
@@ -14733,7 +15545,7 @@
                 </a:tc>
                 <a:extLst>
                   <a:ext uri="{0D108BD9-81ED-4DB2-BD59-A6C34878D82A}">
-                    <a16:rowId xmlns="" xmlns:a16="http://schemas.microsoft.com/office/drawing/2014/main" val="10025"/>
+                    <a16:rowId xmlns:a16="http://schemas.microsoft.com/office/drawing/2014/main" xmlns="" val="10025"/>
                   </a:ext>
                 </a:extLst>
               </a:tr>
@@ -14792,7 +15604,7 @@
                 </a:tc>
                 <a:extLst>
                   <a:ext uri="{0D108BD9-81ED-4DB2-BD59-A6C34878D82A}">
-                    <a16:rowId xmlns="" xmlns:a16="http://schemas.microsoft.com/office/drawing/2014/main" val="10026"/>
+                    <a16:rowId xmlns:a16="http://schemas.microsoft.com/office/drawing/2014/main" xmlns="" val="10026"/>
                   </a:ext>
                 </a:extLst>
               </a:tr>
@@ -14848,7 +15660,7 @@
                 </a:tc>
                 <a:extLst>
                   <a:ext uri="{0D108BD9-81ED-4DB2-BD59-A6C34878D82A}">
-                    <a16:rowId xmlns="" xmlns:a16="http://schemas.microsoft.com/office/drawing/2014/main" val="10027"/>
+                    <a16:rowId xmlns:a16="http://schemas.microsoft.com/office/drawing/2014/main" xmlns="" val="10027"/>
                   </a:ext>
                 </a:extLst>
               </a:tr>
@@ -14907,7 +15719,7 @@
                 </a:tc>
                 <a:extLst>
                   <a:ext uri="{0D108BD9-81ED-4DB2-BD59-A6C34878D82A}">
-                    <a16:rowId xmlns="" xmlns:a16="http://schemas.microsoft.com/office/drawing/2014/main" val="10028"/>
+                    <a16:rowId xmlns:a16="http://schemas.microsoft.com/office/drawing/2014/main" xmlns="" val="10028"/>
                   </a:ext>
                 </a:extLst>
               </a:tr>
@@ -14966,7 +15778,7 @@
                 </a:tc>
                 <a:extLst>
                   <a:ext uri="{0D108BD9-81ED-4DB2-BD59-A6C34878D82A}">
-                    <a16:rowId xmlns="" xmlns:a16="http://schemas.microsoft.com/office/drawing/2014/main" val="10029"/>
+                    <a16:rowId xmlns:a16="http://schemas.microsoft.com/office/drawing/2014/main" xmlns="" val="10029"/>
                   </a:ext>
                 </a:extLst>
               </a:tr>
@@ -15025,7 +15837,7 @@
                 </a:tc>
                 <a:extLst>
                   <a:ext uri="{0D108BD9-81ED-4DB2-BD59-A6C34878D82A}">
-                    <a16:rowId xmlns="" xmlns:a16="http://schemas.microsoft.com/office/drawing/2014/main" val="10030"/>
+                    <a16:rowId xmlns:a16="http://schemas.microsoft.com/office/drawing/2014/main" xmlns="" val="10030"/>
                   </a:ext>
                 </a:extLst>
               </a:tr>
@@ -15079,7 +15891,7 @@
           <p:cNvPr id="2" name="Textfeld 1">
             <a:extLst>
               <a:ext uri="{FF2B5EF4-FFF2-40B4-BE49-F238E27FC236}">
-                <a16:creationId xmlns="" xmlns:a16="http://schemas.microsoft.com/office/drawing/2014/main" id="{2195568F-7564-4181-B467-F06372666B5F}"/>
+                <a16:creationId xmlns:a16="http://schemas.microsoft.com/office/drawing/2014/main" xmlns="" id="{2195568F-7564-4181-B467-F06372666B5F}"/>
               </a:ext>
             </a:extLst>
           </p:cNvPr>
@@ -17696,7 +18508,7 @@
   <a:extraClrSchemeLst/>
   <a:extLst>
     <a:ext uri="{05A4C25C-085E-4340-85A3-A5531E510DB2}">
-      <thm15:themeFamily xmlns="" xmlns:thm15="http://schemas.microsoft.com/office/thememl/2012/main" name="Office_9533258_TF02787990_TF02787990.potx" id="{4393E190-78C2-4802-8391-54969B0363A4}" vid="{EF0E7CB9-FD90-47AD-AD79-73A601F43E10}"/>
+      <thm15:themeFamily xmlns:thm15="http://schemas.microsoft.com/office/thememl/2012/main" xmlns="" name="Office_9533258_TF02787990_TF02787990.potx" id="{4393E190-78C2-4802-8391-54969B0363A4}" vid="{EF0E7CB9-FD90-47AD-AD79-73A601F43E10}"/>
     </a:ext>
   </a:extLst>
 </a:theme>
